--- a/Mercadeo/fichas/ERP.pptx
+++ b/Mercadeo/fichas/ERP.pptx
@@ -264,7 +264,7 @@
           <a:p>
             <a:fld id="{7E325E00-7FBD-4648-A82B-8E5548B1221B}" type="datetimeFigureOut">
               <a:rPr lang="es-CO" smtClean="0"/>
-              <a:t>18/08/2020</a:t>
+              <a:t>19/08/2020</a:t>
             </a:fld>
             <a:endParaRPr lang="es-CO"/>
           </a:p>
@@ -464,7 +464,7 @@
           <a:p>
             <a:fld id="{7E325E00-7FBD-4648-A82B-8E5548B1221B}" type="datetimeFigureOut">
               <a:rPr lang="es-CO" smtClean="0"/>
-              <a:t>18/08/2020</a:t>
+              <a:t>19/08/2020</a:t>
             </a:fld>
             <a:endParaRPr lang="es-CO"/>
           </a:p>
@@ -674,7 +674,7 @@
           <a:p>
             <a:fld id="{7E325E00-7FBD-4648-A82B-8E5548B1221B}" type="datetimeFigureOut">
               <a:rPr lang="es-CO" smtClean="0"/>
-              <a:t>18/08/2020</a:t>
+              <a:t>19/08/2020</a:t>
             </a:fld>
             <a:endParaRPr lang="es-CO"/>
           </a:p>
@@ -874,7 +874,7 @@
           <a:p>
             <a:fld id="{7E325E00-7FBD-4648-A82B-8E5548B1221B}" type="datetimeFigureOut">
               <a:rPr lang="es-CO" smtClean="0"/>
-              <a:t>18/08/2020</a:t>
+              <a:t>19/08/2020</a:t>
             </a:fld>
             <a:endParaRPr lang="es-CO"/>
           </a:p>
@@ -1150,7 +1150,7 @@
           <a:p>
             <a:fld id="{7E325E00-7FBD-4648-A82B-8E5548B1221B}" type="datetimeFigureOut">
               <a:rPr lang="es-CO" smtClean="0"/>
-              <a:t>18/08/2020</a:t>
+              <a:t>19/08/2020</a:t>
             </a:fld>
             <a:endParaRPr lang="es-CO"/>
           </a:p>
@@ -1418,7 +1418,7 @@
           <a:p>
             <a:fld id="{7E325E00-7FBD-4648-A82B-8E5548B1221B}" type="datetimeFigureOut">
               <a:rPr lang="es-CO" smtClean="0"/>
-              <a:t>18/08/2020</a:t>
+              <a:t>19/08/2020</a:t>
             </a:fld>
             <a:endParaRPr lang="es-CO"/>
           </a:p>
@@ -1833,7 +1833,7 @@
           <a:p>
             <a:fld id="{7E325E00-7FBD-4648-A82B-8E5548B1221B}" type="datetimeFigureOut">
               <a:rPr lang="es-CO" smtClean="0"/>
-              <a:t>18/08/2020</a:t>
+              <a:t>19/08/2020</a:t>
             </a:fld>
             <a:endParaRPr lang="es-CO"/>
           </a:p>
@@ -1975,7 +1975,7 @@
           <a:p>
             <a:fld id="{7E325E00-7FBD-4648-A82B-8E5548B1221B}" type="datetimeFigureOut">
               <a:rPr lang="es-CO" smtClean="0"/>
-              <a:t>18/08/2020</a:t>
+              <a:t>19/08/2020</a:t>
             </a:fld>
             <a:endParaRPr lang="es-CO"/>
           </a:p>
@@ -2088,7 +2088,7 @@
           <a:p>
             <a:fld id="{7E325E00-7FBD-4648-A82B-8E5548B1221B}" type="datetimeFigureOut">
               <a:rPr lang="es-CO" smtClean="0"/>
-              <a:t>18/08/2020</a:t>
+              <a:t>19/08/2020</a:t>
             </a:fld>
             <a:endParaRPr lang="es-CO"/>
           </a:p>
@@ -2401,7 +2401,7 @@
           <a:p>
             <a:fld id="{7E325E00-7FBD-4648-A82B-8E5548B1221B}" type="datetimeFigureOut">
               <a:rPr lang="es-CO" smtClean="0"/>
-              <a:t>18/08/2020</a:t>
+              <a:t>19/08/2020</a:t>
             </a:fld>
             <a:endParaRPr lang="es-CO"/>
           </a:p>
@@ -2690,7 +2690,7 @@
           <a:p>
             <a:fld id="{7E325E00-7FBD-4648-A82B-8E5548B1221B}" type="datetimeFigureOut">
               <a:rPr lang="es-CO" smtClean="0"/>
-              <a:t>18/08/2020</a:t>
+              <a:t>19/08/2020</a:t>
             </a:fld>
             <a:endParaRPr lang="es-CO"/>
           </a:p>
@@ -2933,7 +2933,7 @@
           <a:p>
             <a:fld id="{7E325E00-7FBD-4648-A82B-8E5548B1221B}" type="datetimeFigureOut">
               <a:rPr lang="es-CO" smtClean="0"/>
-              <a:t>18/08/2020</a:t>
+              <a:t>19/08/2020</a:t>
             </a:fld>
             <a:endParaRPr lang="es-CO"/>
           </a:p>
@@ -4747,31 +4747,8 @@
                 <a:ea typeface="Roboto" panose="02000000000000000000" pitchFamily="2" charset="0"/>
                 <a:cs typeface="Roboto" panose="02000000000000000000" pitchFamily="2" charset="0"/>
               </a:rPr>
-              <a:t>Clínicas veterinarias y </a:t>
-            </a:r>
-            <a:r>
-              <a:rPr lang="es-CO" dirty="0" err="1">
-                <a:solidFill>
-                  <a:schemeClr val="bg2">
-                    <a:lumMod val="50000"/>
-                  </a:schemeClr>
-                </a:solidFill>
-                <a:latin typeface="Roboto" panose="02000000000000000000" pitchFamily="2" charset="0"/>
-                <a:ea typeface="Roboto" panose="02000000000000000000" pitchFamily="2" charset="0"/>
-                <a:cs typeface="Roboto" panose="02000000000000000000" pitchFamily="2" charset="0"/>
-              </a:rPr>
-              <a:t>petshops</a:t>
-            </a:r>
-            <a:endParaRPr lang="es-CO" dirty="0">
-              <a:solidFill>
-                <a:schemeClr val="bg2">
-                  <a:lumMod val="50000"/>
-                </a:schemeClr>
-              </a:solidFill>
-              <a:latin typeface="Roboto" panose="02000000000000000000" pitchFamily="2" charset="0"/>
-              <a:ea typeface="Roboto" panose="02000000000000000000" pitchFamily="2" charset="0"/>
-              <a:cs typeface="Roboto" panose="02000000000000000000" pitchFamily="2" charset="0"/>
-            </a:endParaRPr>
+              <a:t>Clínicas veterinarias y petshops</a:t>
+            </a:r>
           </a:p>
         </p:txBody>
       </p:sp>
@@ -5027,19 +5004,6 @@
           <a:p>
             <a:pPr algn="ctr"/>
             <a:r>
-              <a:rPr lang="es-MX" dirty="0" err="1">
-                <a:solidFill>
-                  <a:schemeClr val="bg2">
-                    <a:lumMod val="50000"/>
-                  </a:schemeClr>
-                </a:solidFill>
-                <a:latin typeface="Roboto" panose="02000000000000000000" pitchFamily="2" charset="0"/>
-                <a:ea typeface="Roboto" panose="02000000000000000000" pitchFamily="2" charset="0"/>
-                <a:cs typeface="Roboto" panose="02000000000000000000" pitchFamily="2" charset="0"/>
-              </a:rPr>
-              <a:t>OasisCom</a:t>
-            </a:r>
-            <a:r>
               <a:rPr lang="es-MX" dirty="0">
                 <a:solidFill>
                   <a:schemeClr val="bg2">
@@ -5050,7 +5014,7 @@
                 <a:ea typeface="Roboto" panose="02000000000000000000" pitchFamily="2" charset="0"/>
                 <a:cs typeface="Roboto" panose="02000000000000000000" pitchFamily="2" charset="0"/>
               </a:rPr>
-              <a:t> la solución diseñada para empresas </a:t>
+              <a:t>OasisCom la solución diseñada para empresas </a:t>
             </a:r>
           </a:p>
           <a:p>
